--- a/Lessons/Lesson 4 - Data structures/Data structures.pptx
+++ b/Lessons/Lesson 4 - Data structures/Data structures.pptx
@@ -10961,7 +10961,7 @@
             </a:r>
             <a:r>
               <a:rPr lang="en-US" dirty="0"/>
-              <a:t>FIFO (First In, Last Out) — </a:t>
+              <a:t>FIFO (First In, First Out) — </a:t>
             </a:r>
             <a:r>
               <a:rPr lang="ru-RU" dirty="0"/>
